--- a/units/7/lessons/3/resources/petascale-lesson-7.3-slides.pptx
+++ b/units/7/lessons/3/resources/petascale-lesson-7.3-slides.pptx
@@ -9121,6 +9121,285 @@
 </file>
 
 <file path=ppt/theme/theme1.xml><?xml version="1.0" encoding="utf-8"?>
+<a:theme xmlns:a="http://schemas.openxmlformats.org/drawingml/2006/main" xmlns:r="http://schemas.openxmlformats.org/officeDocument/2006/relationships" name="Simple Dark">
+  <a:themeElements>
+    <a:clrScheme name="Simple Dark">
+      <a:dk1>
+        <a:srgbClr val="FFFFFF"/>
+      </a:dk1>
+      <a:lt1>
+        <a:srgbClr val="212121"/>
+      </a:lt1>
+      <a:dk2>
+        <a:srgbClr val="303030"/>
+      </a:dk2>
+      <a:lt2>
+        <a:srgbClr val="ADADAD"/>
+      </a:lt2>
+      <a:accent1>
+        <a:srgbClr val="009688"/>
+      </a:accent1>
+      <a:accent2>
+        <a:srgbClr val="BEBCBC"/>
+      </a:accent2>
+      <a:accent3>
+        <a:srgbClr val="78909C"/>
+      </a:accent3>
+      <a:accent4>
+        <a:srgbClr val="FFAB40"/>
+      </a:accent4>
+      <a:accent5>
+        <a:srgbClr val="4DD0E1"/>
+      </a:accent5>
+      <a:accent6>
+        <a:srgbClr val="EEFF41"/>
+      </a:accent6>
+      <a:hlink>
+        <a:srgbClr val="FFD966"/>
+      </a:hlink>
+      <a:folHlink>
+        <a:srgbClr val="4DD0E1"/>
+      </a:folHlink>
+    </a:clrScheme>
+    <a:fontScheme name="Office">
+      <a:majorFont>
+        <a:latin typeface="Arial"/>
+        <a:ea typeface=""/>
+        <a:cs typeface=""/>
+        <a:font script="Jpan" typeface="ＭＳ Ｐゴシック"/>
+        <a:font script="Hang" typeface="맑은 고딕"/>
+        <a:font script="Hans" typeface="宋体"/>
+        <a:font script="Hant" typeface="新細明體"/>
+        <a:font script="Arab" typeface="Times New Roman"/>
+        <a:font script="Hebr" typeface="Times New Roman"/>
+        <a:font script="Thai" typeface="Angsana New"/>
+        <a:font script="Ethi" typeface="Nyala"/>
+        <a:font script="Beng" typeface="Vrinda"/>
+        <a:font script="Gujr" typeface="Shruti"/>
+        <a:font script="Khmr" typeface="MoolBoran"/>
+        <a:font script="Knda" typeface="Tunga"/>
+        <a:font script="Guru" typeface="Raavi"/>
+        <a:font script="Cans" typeface="Euphemia"/>
+        <a:font script="Cher" typeface="Plantagenet Cherokee"/>
+        <a:font script="Yiii" typeface="Microsoft Yi Baiti"/>
+        <a:font script="Tibt" typeface="Microsoft Himalaya"/>
+        <a:font script="Thaa" typeface="MV Boli"/>
+        <a:font script="Deva" typeface="Mangal"/>
+        <a:font script="Telu" typeface="Gautami"/>
+        <a:font script="Taml" typeface="Latha"/>
+        <a:font script="Syrc" typeface="Estrangelo Edessa"/>
+        <a:font script="Orya" typeface="Kalinga"/>
+        <a:font script="Mlym" typeface="Kartika"/>
+        <a:font script="Laoo" typeface="DokChampa"/>
+        <a:font script="Sinh" typeface="Iskoola Pota"/>
+        <a:font script="Mong" typeface="Mongolian Baiti"/>
+        <a:font script="Viet" typeface="Times New Roman"/>
+        <a:font script="Uigh" typeface="Microsoft Uighur"/>
+        <a:font script="Geor" typeface="Sylfaen"/>
+      </a:majorFont>
+      <a:minorFont>
+        <a:latin typeface="Arial"/>
+        <a:ea typeface=""/>
+        <a:cs typeface=""/>
+        <a:font script="Jpan" typeface="ＭＳ Ｐゴシック"/>
+        <a:font script="Hang" typeface="맑은 고딕"/>
+        <a:font script="Hans" typeface="宋体"/>
+        <a:font script="Hant" typeface="新細明體"/>
+        <a:font script="Arab" typeface="Arial"/>
+        <a:font script="Hebr" typeface="Arial"/>
+        <a:font script="Thai" typeface="Cordia New"/>
+        <a:font script="Ethi" typeface="Nyala"/>
+        <a:font script="Beng" typeface="Vrinda"/>
+        <a:font script="Gujr" typeface="Shruti"/>
+        <a:font script="Khmr" typeface="DaunPenh"/>
+        <a:font script="Knda" typeface="Tunga"/>
+        <a:font script="Guru" typeface="Raavi"/>
+        <a:font script="Cans" typeface="Euphemia"/>
+        <a:font script="Cher" typeface="Plantagenet Cherokee"/>
+        <a:font script="Yiii" typeface="Microsoft Yi Baiti"/>
+        <a:font script="Tibt" typeface="Microsoft Himalaya"/>
+        <a:font script="Thaa" typeface="MV Boli"/>
+        <a:font script="Deva" typeface="Mangal"/>
+        <a:font script="Telu" typeface="Gautami"/>
+        <a:font script="Taml" typeface="Latha"/>
+        <a:font script="Syrc" typeface="Estrangelo Edessa"/>
+        <a:font script="Orya" typeface="Kalinga"/>
+        <a:font script="Mlym" typeface="Kartika"/>
+        <a:font script="Laoo" typeface="DokChampa"/>
+        <a:font script="Sinh" typeface="Iskoola Pota"/>
+        <a:font script="Mong" typeface="Mongolian Baiti"/>
+        <a:font script="Viet" typeface="Arial"/>
+        <a:font script="Uigh" typeface="Microsoft Uighur"/>
+        <a:font script="Geor" typeface="Sylfaen"/>
+      </a:minorFont>
+    </a:fontScheme>
+    <a:fmtScheme name="Office">
+      <a:fillStyleLst>
+        <a:solidFill>
+          <a:schemeClr val="phClr"/>
+        </a:solidFill>
+        <a:gradFill rotWithShape="1">
+          <a:gsLst>
+            <a:gs pos="0">
+              <a:schemeClr val="phClr">
+                <a:tint val="50000"/>
+                <a:satMod val="300000"/>
+              </a:schemeClr>
+            </a:gs>
+            <a:gs pos="35000">
+              <a:schemeClr val="phClr">
+                <a:tint val="37000"/>
+                <a:satMod val="300000"/>
+              </a:schemeClr>
+            </a:gs>
+            <a:gs pos="100000">
+              <a:schemeClr val="phClr">
+                <a:tint val="15000"/>
+                <a:satMod val="350000"/>
+              </a:schemeClr>
+            </a:gs>
+          </a:gsLst>
+          <a:lin ang="16200000" scaled="1"/>
+        </a:gradFill>
+        <a:gradFill rotWithShape="1">
+          <a:gsLst>
+            <a:gs pos="0">
+              <a:schemeClr val="phClr">
+                <a:tint val="100000"/>
+                <a:shade val="100000"/>
+                <a:satMod val="130000"/>
+              </a:schemeClr>
+            </a:gs>
+            <a:gs pos="100000">
+              <a:schemeClr val="phClr">
+                <a:tint val="50000"/>
+                <a:shade val="100000"/>
+                <a:satMod val="350000"/>
+              </a:schemeClr>
+            </a:gs>
+          </a:gsLst>
+          <a:lin ang="16200000" scaled="0"/>
+        </a:gradFill>
+      </a:fillStyleLst>
+      <a:lnStyleLst>
+        <a:ln w="9525" cap="flat" cmpd="sng" algn="ctr">
+          <a:solidFill>
+            <a:schemeClr val="phClr">
+              <a:shade val="95000"/>
+              <a:satMod val="105000"/>
+            </a:schemeClr>
+          </a:solidFill>
+          <a:prstDash val="solid"/>
+        </a:ln>
+        <a:ln w="25400" cap="flat" cmpd="sng" algn="ctr">
+          <a:solidFill>
+            <a:schemeClr val="phClr"/>
+          </a:solidFill>
+          <a:prstDash val="solid"/>
+        </a:ln>
+        <a:ln w="38100" cap="flat" cmpd="sng" algn="ctr">
+          <a:solidFill>
+            <a:schemeClr val="phClr"/>
+          </a:solidFill>
+          <a:prstDash val="solid"/>
+        </a:ln>
+      </a:lnStyleLst>
+      <a:effectStyleLst>
+        <a:effectStyle>
+          <a:effectLst>
+            <a:outerShdw blurRad="40000" dist="20000" dir="5400000" rotWithShape="0">
+              <a:srgbClr val="000000">
+                <a:alpha val="38000"/>
+              </a:srgbClr>
+            </a:outerShdw>
+          </a:effectLst>
+        </a:effectStyle>
+        <a:effectStyle>
+          <a:effectLst>
+            <a:outerShdw blurRad="40000" dist="23000" dir="5400000" rotWithShape="0">
+              <a:srgbClr val="000000">
+                <a:alpha val="35000"/>
+              </a:srgbClr>
+            </a:outerShdw>
+          </a:effectLst>
+        </a:effectStyle>
+        <a:effectStyle>
+          <a:effectLst>
+            <a:outerShdw blurRad="40000" dist="23000" dir="5400000" rotWithShape="0">
+              <a:srgbClr val="000000">
+                <a:alpha val="35000"/>
+              </a:srgbClr>
+            </a:outerShdw>
+          </a:effectLst>
+          <a:scene3d>
+            <a:camera prst="orthographicFront">
+              <a:rot lat="0" lon="0" rev="0"/>
+            </a:camera>
+            <a:lightRig rig="threePt" dir="t">
+              <a:rot lat="0" lon="0" rev="1200000"/>
+            </a:lightRig>
+          </a:scene3d>
+          <a:sp3d>
+            <a:bevelT w="63500" h="25400"/>
+          </a:sp3d>
+        </a:effectStyle>
+      </a:effectStyleLst>
+      <a:bgFillStyleLst>
+        <a:solidFill>
+          <a:schemeClr val="phClr"/>
+        </a:solidFill>
+        <a:gradFill rotWithShape="1">
+          <a:gsLst>
+            <a:gs pos="0">
+              <a:schemeClr val="phClr">
+                <a:tint val="40000"/>
+                <a:satMod val="350000"/>
+              </a:schemeClr>
+            </a:gs>
+            <a:gs pos="40000">
+              <a:schemeClr val="phClr">
+                <a:tint val="45000"/>
+                <a:shade val="99000"/>
+                <a:satMod val="350000"/>
+              </a:schemeClr>
+            </a:gs>
+            <a:gs pos="100000">
+              <a:schemeClr val="phClr">
+                <a:shade val="20000"/>
+                <a:satMod val="255000"/>
+              </a:schemeClr>
+            </a:gs>
+          </a:gsLst>
+          <a:path path="circle">
+            <a:fillToRect l="50000" t="-80000" r="50000" b="180000"/>
+          </a:path>
+        </a:gradFill>
+        <a:gradFill rotWithShape="1">
+          <a:gsLst>
+            <a:gs pos="0">
+              <a:schemeClr val="phClr">
+                <a:tint val="80000"/>
+                <a:satMod val="300000"/>
+              </a:schemeClr>
+            </a:gs>
+            <a:gs pos="100000">
+              <a:schemeClr val="phClr">
+                <a:shade val="30000"/>
+                <a:satMod val="200000"/>
+              </a:schemeClr>
+            </a:gs>
+          </a:gsLst>
+          <a:path path="circle">
+            <a:fillToRect l="50000" t="50000" r="50000" b="50000"/>
+          </a:path>
+        </a:gradFill>
+      </a:bgFillStyleLst>
+    </a:fmtScheme>
+  </a:themeElements>
+</a:theme>
+</file>
+
+<file path=ppt/theme/theme2.xml><?xml version="1.0" encoding="utf-8"?>
 <a:theme xmlns:a="http://schemas.openxmlformats.org/drawingml/2006/main" xmlns:r="http://schemas.openxmlformats.org/officeDocument/2006/relationships">
   <a:themeElements>
     <a:clrScheme name="Default">
@@ -9397,283 +9676,4 @@
     </a:fmtScheme>
   </a:themeElements>
 </a:theme>
-</file>
-
-<file path=ppt/theme/theme2.xml><?xml version="1.0" encoding="utf-8"?>
-<a:theme xmlns:a="http://schemas.openxmlformats.org/drawingml/2006/main" xmlns:r="http://schemas.openxmlformats.org/officeDocument/2006/relationships" name="Simple Dark">
-  <a:themeElements>
-    <a:clrScheme name="Simple Dark">
-      <a:dk1>
-        <a:srgbClr val="FFFFFF"/>
-      </a:dk1>
-      <a:lt1>
-        <a:srgbClr val="212121"/>
-      </a:lt1>
-      <a:dk2>
-        <a:srgbClr val="303030"/>
-      </a:dk2>
-      <a:lt2>
-        <a:srgbClr val="ADADAD"/>
-      </a:lt2>
-      <a:accent1>
-        <a:srgbClr val="009688"/>
-      </a:accent1>
-      <a:accent2>
-        <a:srgbClr val="BEBCBC"/>
-      </a:accent2>
-      <a:accent3>
-        <a:srgbClr val="78909C"/>
-      </a:accent3>
-      <a:accent4>
-        <a:srgbClr val="FFAB40"/>
-      </a:accent4>
-      <a:accent5>
-        <a:srgbClr val="4DD0E1"/>
-      </a:accent5>
-      <a:accent6>
-        <a:srgbClr val="EEFF41"/>
-      </a:accent6>
-      <a:hlink>
-        <a:srgbClr val="FFD966"/>
-      </a:hlink>
-      <a:folHlink>
-        <a:srgbClr val="4DD0E1"/>
-      </a:folHlink>
-    </a:clrScheme>
-    <a:fontScheme name="Office">
-      <a:majorFont>
-        <a:latin typeface="Arial"/>
-        <a:ea typeface=""/>
-        <a:cs typeface=""/>
-        <a:font script="Jpan" typeface="ＭＳ Ｐゴシック"/>
-        <a:font script="Hang" typeface="맑은 고딕"/>
-        <a:font script="Hans" typeface="宋体"/>
-        <a:font script="Hant" typeface="新細明體"/>
-        <a:font script="Arab" typeface="Times New Roman"/>
-        <a:font script="Hebr" typeface="Times New Roman"/>
-        <a:font script="Thai" typeface="Angsana New"/>
-        <a:font script="Ethi" typeface="Nyala"/>
-        <a:font script="Beng" typeface="Vrinda"/>
-        <a:font script="Gujr" typeface="Shruti"/>
-        <a:font script="Khmr" typeface="MoolBoran"/>
-        <a:font script="Knda" typeface="Tunga"/>
-        <a:font script="Guru" typeface="Raavi"/>
-        <a:font script="Cans" typeface="Euphemia"/>
-        <a:font script="Cher" typeface="Plantagenet Cherokee"/>
-        <a:font script="Yiii" typeface="Microsoft Yi Baiti"/>
-        <a:font script="Tibt" typeface="Microsoft Himalaya"/>
-        <a:font script="Thaa" typeface="MV Boli"/>
-        <a:font script="Deva" typeface="Mangal"/>
-        <a:font script="Telu" typeface="Gautami"/>
-        <a:font script="Taml" typeface="Latha"/>
-        <a:font script="Syrc" typeface="Estrangelo Edessa"/>
-        <a:font script="Orya" typeface="Kalinga"/>
-        <a:font script="Mlym" typeface="Kartika"/>
-        <a:font script="Laoo" typeface="DokChampa"/>
-        <a:font script="Sinh" typeface="Iskoola Pota"/>
-        <a:font script="Mong" typeface="Mongolian Baiti"/>
-        <a:font script="Viet" typeface="Times New Roman"/>
-        <a:font script="Uigh" typeface="Microsoft Uighur"/>
-        <a:font script="Geor" typeface="Sylfaen"/>
-      </a:majorFont>
-      <a:minorFont>
-        <a:latin typeface="Arial"/>
-        <a:ea typeface=""/>
-        <a:cs typeface=""/>
-        <a:font script="Jpan" typeface="ＭＳ Ｐゴシック"/>
-        <a:font script="Hang" typeface="맑은 고딕"/>
-        <a:font script="Hans" typeface="宋体"/>
-        <a:font script="Hant" typeface="新細明體"/>
-        <a:font script="Arab" typeface="Arial"/>
-        <a:font script="Hebr" typeface="Arial"/>
-        <a:font script="Thai" typeface="Cordia New"/>
-        <a:font script="Ethi" typeface="Nyala"/>
-        <a:font script="Beng" typeface="Vrinda"/>
-        <a:font script="Gujr" typeface="Shruti"/>
-        <a:font script="Khmr" typeface="DaunPenh"/>
-        <a:font script="Knda" typeface="Tunga"/>
-        <a:font script="Guru" typeface="Raavi"/>
-        <a:font script="Cans" typeface="Euphemia"/>
-        <a:font script="Cher" typeface="Plantagenet Cherokee"/>
-        <a:font script="Yiii" typeface="Microsoft Yi Baiti"/>
-        <a:font script="Tibt" typeface="Microsoft Himalaya"/>
-        <a:font script="Thaa" typeface="MV Boli"/>
-        <a:font script="Deva" typeface="Mangal"/>
-        <a:font script="Telu" typeface="Gautami"/>
-        <a:font script="Taml" typeface="Latha"/>
-        <a:font script="Syrc" typeface="Estrangelo Edessa"/>
-        <a:font script="Orya" typeface="Kalinga"/>
-        <a:font script="Mlym" typeface="Kartika"/>
-        <a:font script="Laoo" typeface="DokChampa"/>
-        <a:font script="Sinh" typeface="Iskoola Pota"/>
-        <a:font script="Mong" typeface="Mongolian Baiti"/>
-        <a:font script="Viet" typeface="Arial"/>
-        <a:font script="Uigh" typeface="Microsoft Uighur"/>
-        <a:font script="Geor" typeface="Sylfaen"/>
-      </a:minorFont>
-    </a:fontScheme>
-    <a:fmtScheme name="Office">
-      <a:fillStyleLst>
-        <a:solidFill>
-          <a:schemeClr val="phClr"/>
-        </a:solidFill>
-        <a:gradFill rotWithShape="1">
-          <a:gsLst>
-            <a:gs pos="0">
-              <a:schemeClr val="phClr">
-                <a:tint val="50000"/>
-                <a:satMod val="300000"/>
-              </a:schemeClr>
-            </a:gs>
-            <a:gs pos="35000">
-              <a:schemeClr val="phClr">
-                <a:tint val="37000"/>
-                <a:satMod val="300000"/>
-              </a:schemeClr>
-            </a:gs>
-            <a:gs pos="100000">
-              <a:schemeClr val="phClr">
-                <a:tint val="15000"/>
-                <a:satMod val="350000"/>
-              </a:schemeClr>
-            </a:gs>
-          </a:gsLst>
-          <a:lin ang="16200000" scaled="1"/>
-        </a:gradFill>
-        <a:gradFill rotWithShape="1">
-          <a:gsLst>
-            <a:gs pos="0">
-              <a:schemeClr val="phClr">
-                <a:tint val="100000"/>
-                <a:shade val="100000"/>
-                <a:satMod val="130000"/>
-              </a:schemeClr>
-            </a:gs>
-            <a:gs pos="100000">
-              <a:schemeClr val="phClr">
-                <a:tint val="50000"/>
-                <a:shade val="100000"/>
-                <a:satMod val="350000"/>
-              </a:schemeClr>
-            </a:gs>
-          </a:gsLst>
-          <a:lin ang="16200000" scaled="0"/>
-        </a:gradFill>
-      </a:fillStyleLst>
-      <a:lnStyleLst>
-        <a:ln w="9525" cap="flat" cmpd="sng" algn="ctr">
-          <a:solidFill>
-            <a:schemeClr val="phClr">
-              <a:shade val="95000"/>
-              <a:satMod val="105000"/>
-            </a:schemeClr>
-          </a:solidFill>
-          <a:prstDash val="solid"/>
-        </a:ln>
-        <a:ln w="25400" cap="flat" cmpd="sng" algn="ctr">
-          <a:solidFill>
-            <a:schemeClr val="phClr"/>
-          </a:solidFill>
-          <a:prstDash val="solid"/>
-        </a:ln>
-        <a:ln w="38100" cap="flat" cmpd="sng" algn="ctr">
-          <a:solidFill>
-            <a:schemeClr val="phClr"/>
-          </a:solidFill>
-          <a:prstDash val="solid"/>
-        </a:ln>
-      </a:lnStyleLst>
-      <a:effectStyleLst>
-        <a:effectStyle>
-          <a:effectLst>
-            <a:outerShdw blurRad="40000" dist="20000" dir="5400000" rotWithShape="0">
-              <a:srgbClr val="000000">
-                <a:alpha val="38000"/>
-              </a:srgbClr>
-            </a:outerShdw>
-          </a:effectLst>
-        </a:effectStyle>
-        <a:effectStyle>
-          <a:effectLst>
-            <a:outerShdw blurRad="40000" dist="23000" dir="5400000" rotWithShape="0">
-              <a:srgbClr val="000000">
-                <a:alpha val="35000"/>
-              </a:srgbClr>
-            </a:outerShdw>
-          </a:effectLst>
-        </a:effectStyle>
-        <a:effectStyle>
-          <a:effectLst>
-            <a:outerShdw blurRad="40000" dist="23000" dir="5400000" rotWithShape="0">
-              <a:srgbClr val="000000">
-                <a:alpha val="35000"/>
-              </a:srgbClr>
-            </a:outerShdw>
-          </a:effectLst>
-          <a:scene3d>
-            <a:camera prst="orthographicFront">
-              <a:rot lat="0" lon="0" rev="0"/>
-            </a:camera>
-            <a:lightRig rig="threePt" dir="t">
-              <a:rot lat="0" lon="0" rev="1200000"/>
-            </a:lightRig>
-          </a:scene3d>
-          <a:sp3d>
-            <a:bevelT w="63500" h="25400"/>
-          </a:sp3d>
-        </a:effectStyle>
-      </a:effectStyleLst>
-      <a:bgFillStyleLst>
-        <a:solidFill>
-          <a:schemeClr val="phClr"/>
-        </a:solidFill>
-        <a:gradFill rotWithShape="1">
-          <a:gsLst>
-            <a:gs pos="0">
-              <a:schemeClr val="phClr">
-                <a:tint val="40000"/>
-                <a:satMod val="350000"/>
-              </a:schemeClr>
-            </a:gs>
-            <a:gs pos="40000">
-              <a:schemeClr val="phClr">
-                <a:tint val="45000"/>
-                <a:shade val="99000"/>
-                <a:satMod val="350000"/>
-              </a:schemeClr>
-            </a:gs>
-            <a:gs pos="100000">
-              <a:schemeClr val="phClr">
-                <a:shade val="20000"/>
-                <a:satMod val="255000"/>
-              </a:schemeClr>
-            </a:gs>
-          </a:gsLst>
-          <a:path path="circle">
-            <a:fillToRect l="50000" t="-80000" r="50000" b="180000"/>
-          </a:path>
-        </a:gradFill>
-        <a:gradFill rotWithShape="1">
-          <a:gsLst>
-            <a:gs pos="0">
-              <a:schemeClr val="phClr">
-                <a:tint val="80000"/>
-                <a:satMod val="300000"/>
-              </a:schemeClr>
-            </a:gs>
-            <a:gs pos="100000">
-              <a:schemeClr val="phClr">
-                <a:shade val="30000"/>
-                <a:satMod val="200000"/>
-              </a:schemeClr>
-            </a:gs>
-          </a:gsLst>
-          <a:path path="circle">
-            <a:fillToRect l="50000" t="50000" r="50000" b="50000"/>
-          </a:path>
-        </a:gradFill>
-      </a:bgFillStyleLst>
-    </a:fmtScheme>
-  </a:themeElements>
-</a:theme>
 </file>
--- a/units/7/lessons/3/resources/petascale-lesson-7.3-slides.pptx
+++ b/units/7/lessons/3/resources/petascale-lesson-7.3-slides.pptx
@@ -10,7 +10,7 @@
   </p:notesMasterIdLst>
   <p:sldIdLst>
     <p:sldId id="270" r:id="rId3"/>
-    <p:sldId id="271" r:id="rId4"/>
+    <p:sldId id="272" r:id="rId4"/>
     <p:sldId id="257" r:id="rId5"/>
     <p:sldId id="258" r:id="rId6"/>
     <p:sldId id="259" r:id="rId7"/>
@@ -10469,15 +10469,7 @@
                 <a:ea typeface="Times New Roman" charset="0"/>
                 <a:cs typeface="Times New Roman" charset="0"/>
               </a:rPr>
-              <a:t>Blue Waters Petascale</a:t>
-            </a:r>
-            <a:r>
-              <a:rPr lang="en-US" sz="2700" b="1" dirty="0">
-                <a:latin typeface="Times New Roman" charset="0"/>
-                <a:ea typeface="Times New Roman" charset="0"/>
-                <a:cs typeface="Times New Roman" charset="0"/>
-              </a:rPr>
-              <a:t> Semester Curriculum v1.0</a:t>
+              <a:t>Blue Waters Petascale Semester Curriculum v1.0</a:t>
             </a:r>
             <a:r>
               <a:rPr lang="en-US" sz="2700" dirty="0">
@@ -10500,15 +10492,7 @@
                 <a:ea typeface="Times New Roman" charset="0"/>
                 <a:cs typeface="Times New Roman" charset="0"/>
               </a:rPr>
-              <a:t>Unit </a:t>
-            </a:r>
-            <a:r>
-              <a:rPr lang="en-US" sz="2700" b="1" dirty="0">
-                <a:latin typeface="Times New Roman" charset="0"/>
-                <a:ea typeface="Times New Roman" charset="0"/>
-                <a:cs typeface="Times New Roman" charset="0"/>
-              </a:rPr>
-              <a:t>7</a:t>
+              <a:t>Unit 7</a:t>
             </a:r>
             <a:r>
               <a:rPr lang="en-US" sz="2700" b="1" dirty="0" smtClean="0">
@@ -11397,7 +11381,7 @@
         </p:nvSpPr>
         <p:spPr>
           <a:xfrm>
-            <a:off x="566059" y="0"/>
+            <a:off x="566057" y="0"/>
             <a:ext cx="8011886" cy="5143500"/>
           </a:xfrm>
         </p:spPr>
@@ -11444,7 +11428,23 @@
                 <a:ea typeface="Times New Roman" charset="0"/>
                 <a:cs typeface="Times New Roman" charset="0"/>
               </a:rPr>
-              <a:t>CC BY-NC 4.0. To view a copy of this license, visit </a:t>
+              <a:t>CC </a:t>
+            </a:r>
+            <a:r>
+              <a:rPr lang="en-US" sz="2100" dirty="0" smtClean="0">
+                <a:latin typeface="Times New Roman" charset="0"/>
+                <a:ea typeface="Times New Roman" charset="0"/>
+                <a:cs typeface="Times New Roman" charset="0"/>
+              </a:rPr>
+              <a:t>BY-SA </a:t>
+            </a:r>
+            <a:r>
+              <a:rPr lang="en-US" sz="2100" dirty="0">
+                <a:latin typeface="Times New Roman" charset="0"/>
+                <a:ea typeface="Times New Roman" charset="0"/>
+                <a:cs typeface="Times New Roman" charset="0"/>
+              </a:rPr>
+              <a:t>4.0. To view a copy of this license, visit </a:t>
             </a:r>
             <a:r>
               <a:rPr lang="en-US" sz="2100" dirty="0">
@@ -11453,7 +11453,16 @@
                 <a:cs typeface="Times New Roman" charset="0"/>
                 <a:hlinkClick r:id="rId2"/>
               </a:rPr>
-              <a:t>https://creativecommons.org/licenses/by-nc/4.0</a:t>
+              <a:t>https://</a:t>
+            </a:r>
+            <a:r>
+              <a:rPr lang="en-US" sz="2100" dirty="0" smtClean="0">
+                <a:latin typeface="Times New Roman" charset="0"/>
+                <a:ea typeface="Times New Roman" charset="0"/>
+                <a:cs typeface="Times New Roman" charset="0"/>
+                <a:hlinkClick r:id="rId2"/>
+              </a:rPr>
+              <a:t>creativecommons.org/licenses/by-sa/4.0</a:t>
             </a:r>
             <a:r>
               <a:rPr lang="en-US" sz="2100" dirty="0">
@@ -11607,20 +11616,13 @@
     </p:spTree>
     <p:extLst>
       <p:ext uri="{BB962C8B-B14F-4D97-AF65-F5344CB8AC3E}">
-        <p14:creationId xmlns:p14="http://schemas.microsoft.com/office/powerpoint/2010/main" val="851275266"/>
+        <p14:creationId xmlns:p14="http://schemas.microsoft.com/office/powerpoint/2010/main" val="1898038944"/>
       </p:ext>
     </p:extLst>
   </p:cSld>
   <p:clrMapOvr>
     <a:masterClrMapping/>
   </p:clrMapOvr>
-  <p:timing>
-    <p:tnLst>
-      <p:par>
-        <p:cTn id="1" dur="indefinite" restart="never" nodeType="tmRoot"/>
-      </p:par>
-    </p:tnLst>
-  </p:timing>
 </p:sld>
 </file>
 

--- a/units/7/lessons/3/resources/petascale-lesson-7.3-slides.pptx
+++ b/units/7/lessons/3/resources/petascale-lesson-7.3-slides.pptx
@@ -1246,7 +1246,7 @@
         </p:nvSpPr>
         <p:spPr>
           <a:xfrm>
-            <a:off x="381300" y="685800"/>
+            <a:off x="381000" y="685800"/>
             <a:ext cx="6096000" cy="3429000"/>
           </a:xfrm>
           <a:custGeom>
@@ -1662,7 +1662,7 @@
         </p:nvSpPr>
         <p:spPr>
           <a:xfrm>
-            <a:off x="381300" y="685800"/>
+            <a:off x="381000" y="685800"/>
             <a:ext cx="6096000" cy="3429000"/>
           </a:xfrm>
           <a:custGeom>
@@ -1766,7 +1766,7 @@
         </p:nvSpPr>
         <p:spPr>
           <a:xfrm>
-            <a:off x="381300" y="685800"/>
+            <a:off x="381000" y="685800"/>
             <a:ext cx="6096000" cy="3429000"/>
           </a:xfrm>
           <a:custGeom>
@@ -9719,7 +9719,7 @@
               </a14:hiddenLine>
             </a:ext>
             <a:ext uri="{FAA26D3D-D897-4be2-8F04-BA451C77F1D7}">
-              <ma14:placeholderFlag xmlns:ma14="http://schemas.microsoft.com/office/mac/drawingml/2011/main" val="1"/>
+              <ma14:placeholderFlag xmlns:ma14="http://schemas.microsoft.com/office/mac/drawingml/2011/main" xmlns="" val="1"/>
             </a:ext>
           </a:extLst>
         </p:spPr>
@@ -9780,7 +9780,7 @@
               </a14:hiddenLine>
             </a:ext>
             <a:ext uri="{FAA26D3D-D897-4be2-8F04-BA451C77F1D7}">
-              <ma14:placeholderFlag xmlns:ma14="http://schemas.microsoft.com/office/mac/drawingml/2011/main" val="1"/>
+              <ma14:placeholderFlag xmlns:ma14="http://schemas.microsoft.com/office/mac/drawingml/2011/main" xmlns="" val="1"/>
             </a:ext>
           </a:extLst>
         </p:spPr>
@@ -10020,7 +10020,7 @@
               </a:pPr>
               <a:t>‹#›</a:t>
             </a:fld>
-            <a:endParaRPr lang="en-US" altLang="en-US" kern="1200" smtClean="0">
+            <a:endParaRPr lang="en-US" altLang="en-US" kern="1200">
               <a:latin typeface="Arial" charset="0"/>
               <a:ea typeface=""/>
               <a:cs typeface=""/>
@@ -10471,13 +10471,20 @@
               </a:rPr>
               <a:t>Blue Waters Petascale Semester Curriculum v1.0</a:t>
             </a:r>
-            <a:r>
+            <a:br>
               <a:rPr lang="en-US" sz="2700" dirty="0">
                 <a:latin typeface="Times New Roman" charset="0"/>
                 <a:ea typeface="Times New Roman" charset="0"/>
                 <a:cs typeface="Times New Roman" charset="0"/>
               </a:rPr>
-              <a:t/>
+            </a:br>
+            <a:r>
+              <a:rPr lang="en-US" sz="2700" b="1" dirty="0">
+                <a:latin typeface="Times New Roman" charset="0"/>
+                <a:ea typeface="Times New Roman" charset="0"/>
+                <a:cs typeface="Times New Roman" charset="0"/>
+              </a:rPr>
+              <a:t>Unit 7: CUDA</a:t>
             </a:r>
             <a:br>
               <a:rPr lang="en-US" sz="2700" dirty="0">
@@ -10492,54 +10499,7 @@
                 <a:ea typeface="Times New Roman" charset="0"/>
                 <a:cs typeface="Times New Roman" charset="0"/>
               </a:rPr>
-              <a:t>Unit 7</a:t>
-            </a:r>
-            <a:r>
-              <a:rPr lang="en-US" sz="2700" b="1" dirty="0" smtClean="0">
-                <a:latin typeface="Times New Roman" charset="0"/>
-                <a:ea typeface="Times New Roman" charset="0"/>
-                <a:cs typeface="Times New Roman" charset="0"/>
-              </a:rPr>
-              <a:t>: CUDA</a:t>
-            </a:r>
-            <a:r>
-              <a:rPr lang="en-US" sz="2700" dirty="0">
-                <a:latin typeface="Times New Roman" charset="0"/>
-                <a:ea typeface="Times New Roman" charset="0"/>
-                <a:cs typeface="Times New Roman" charset="0"/>
-              </a:rPr>
-              <a:t/>
-            </a:r>
-            <a:br>
-              <a:rPr lang="en-US" sz="2700" dirty="0">
-                <a:latin typeface="Times New Roman" charset="0"/>
-                <a:ea typeface="Times New Roman" charset="0"/>
-                <a:cs typeface="Times New Roman" charset="0"/>
-              </a:rPr>
-            </a:br>
-            <a:r>
-              <a:rPr lang="en-US" sz="2700" b="1" dirty="0">
-                <a:latin typeface="Times New Roman" charset="0"/>
-                <a:ea typeface="Times New Roman" charset="0"/>
-                <a:cs typeface="Times New Roman" charset="0"/>
-              </a:rPr>
-              <a:t>Lesson </a:t>
-            </a:r>
-            <a:r>
-              <a:rPr lang="en-US" sz="2700" b="1" dirty="0" smtClean="0">
-                <a:latin typeface="Times New Roman" charset="0"/>
-                <a:ea typeface="Times New Roman" charset="0"/>
-                <a:cs typeface="Times New Roman" charset="0"/>
-              </a:rPr>
-              <a:t>3: Graphics Interop with OpenGL</a:t>
-            </a:r>
-            <a:r>
-              <a:rPr lang="en-US" sz="2700" b="1" dirty="0">
-                <a:latin typeface="Times New Roman" charset="0"/>
-                <a:ea typeface="Times New Roman" charset="0"/>
-                <a:cs typeface="Times New Roman" charset="0"/>
-              </a:rPr>
-              <a:t/>
+              <a:t>Lesson 3: Graphics Interop with OpenGL</a:t>
             </a:r>
             <a:br>
               <a:rPr lang="en-US" sz="2700" b="1" dirty="0">
@@ -10554,23 +10514,7 @@
                 <a:ea typeface="Times New Roman" charset="0"/>
                 <a:cs typeface="Times New Roman" charset="0"/>
               </a:rPr>
-              <a:t>Developed by </a:t>
-            </a:r>
-            <a:r>
-              <a:rPr lang="en-US" sz="2700" i="1" dirty="0" smtClean="0">
-                <a:latin typeface="Times New Roman" charset="0"/>
-                <a:ea typeface="Times New Roman" charset="0"/>
-                <a:cs typeface="Times New Roman" charset="0"/>
-              </a:rPr>
-              <a:t>Michael D. Shah</a:t>
-            </a:r>
-            <a:r>
-              <a:rPr lang="en-US" sz="2700" i="1" dirty="0">
-                <a:latin typeface="Times New Roman" charset="0"/>
-                <a:ea typeface="Times New Roman" charset="0"/>
-                <a:cs typeface="Times New Roman" charset="0"/>
-              </a:rPr>
-              <a:t/>
+              <a:t>Developed by Michael D. Shah</a:t>
             </a:r>
             <a:br>
               <a:rPr lang="en-US" sz="2700" i="1" dirty="0">
@@ -10600,13 +10544,6 @@
   <p:clrMapOvr>
     <a:masterClrMapping/>
   </p:clrMapOvr>
-  <p:timing>
-    <p:tnLst>
-      <p:par>
-        <p:cTn id="1" dur="indefinite" restart="never" nodeType="tmRoot"/>
-      </p:par>
-    </p:tnLst>
-  </p:timing>
 </p:sld>
 </file>
 
@@ -11287,10 +11224,10 @@
               <a:buChar char="●"/>
             </a:pPr>
             <a:r>
-              <a:rPr lang="en"/>
+              <a:rPr lang="en" dirty="0"/>
               <a:t>CUDA provides the following documentation for OpenGL Interoperability which we can refer to as a guide</a:t>
             </a:r>
-            <a:endParaRPr/>
+            <a:endParaRPr dirty="0"/>
           </a:p>
           <a:p>
             <a:pPr marL="914400" lvl="1" indent="-317500" algn="l" rtl="0">
@@ -11304,7 +11241,7 @@
               <a:buChar char="○"/>
             </a:pPr>
             <a:r>
-              <a:rPr lang="en" u="sng">
+              <a:rPr lang="en" u="sng" dirty="0">
                 <a:solidFill>
                   <a:schemeClr val="hlink"/>
                 </a:solidFill>
@@ -11312,38 +11249,10 @@
               </a:rPr>
               <a:t>https://docs.nvidia.com/cuda/cuda-runtime-api/group__CUDART__OPENGL.html</a:t>
             </a:r>
-            <a:endParaRPr/>
-          </a:p>
-        </p:txBody>
-      </p:sp>
-      <p:pic>
-        <p:nvPicPr>
-          <p:cNvPr id="136" name="Google Shape;136;p26"/>
-          <p:cNvPicPr preferRelativeResize="0"/>
-          <p:nvPr/>
-        </p:nvPicPr>
-        <p:blipFill>
-          <a:blip r:embed="rId4">
-            <a:alphaModFix/>
-          </a:blip>
-          <a:stretch>
-            <a:fillRect/>
-          </a:stretch>
-        </p:blipFill>
-        <p:spPr>
-          <a:xfrm>
-            <a:off x="88800" y="2219300"/>
-            <a:ext cx="8966400" cy="2864975"/>
-          </a:xfrm>
-          <a:prstGeom prst="rect">
-            <a:avLst/>
-          </a:prstGeom>
-          <a:noFill/>
-          <a:ln>
-            <a:noFill/>
-          </a:ln>
-        </p:spPr>
-      </p:pic>
+            <a:endParaRPr dirty="0"/>
+          </a:p>
+        </p:txBody>
+      </p:sp>
     </p:spTree>
   </p:cSld>
   <p:clrMapOvr>
@@ -11428,23 +11337,7 @@
                 <a:ea typeface="Times New Roman" charset="0"/>
                 <a:cs typeface="Times New Roman" charset="0"/>
               </a:rPr>
-              <a:t>CC </a:t>
-            </a:r>
-            <a:r>
-              <a:rPr lang="en-US" sz="2100" dirty="0" smtClean="0">
-                <a:latin typeface="Times New Roman" charset="0"/>
-                <a:ea typeface="Times New Roman" charset="0"/>
-                <a:cs typeface="Times New Roman" charset="0"/>
-              </a:rPr>
-              <a:t>BY-SA </a:t>
-            </a:r>
-            <a:r>
-              <a:rPr lang="en-US" sz="2100" dirty="0">
-                <a:latin typeface="Times New Roman" charset="0"/>
-                <a:ea typeface="Times New Roman" charset="0"/>
-                <a:cs typeface="Times New Roman" charset="0"/>
-              </a:rPr>
-              <a:t>4.0. To view a copy of this license, visit </a:t>
+              <a:t>CC BY-SA 4.0. To view a copy of this license, visit </a:t>
             </a:r>
             <a:r>
               <a:rPr lang="en-US" sz="2100" dirty="0">
@@ -11453,24 +11346,7 @@
                 <a:cs typeface="Times New Roman" charset="0"/>
                 <a:hlinkClick r:id="rId2"/>
               </a:rPr>
-              <a:t>https://</a:t>
-            </a:r>
-            <a:r>
-              <a:rPr lang="en-US" sz="2100" dirty="0" smtClean="0">
-                <a:latin typeface="Times New Roman" charset="0"/>
-                <a:ea typeface="Times New Roman" charset="0"/>
-                <a:cs typeface="Times New Roman" charset="0"/>
-                <a:hlinkClick r:id="rId2"/>
-              </a:rPr>
-              <a:t>creativecommons.org/licenses/by-sa/4.0</a:t>
-            </a:r>
-            <a:r>
-              <a:rPr lang="en-US" sz="2100" dirty="0">
-                <a:latin typeface="Times New Roman" charset="0"/>
-                <a:ea typeface="Times New Roman" charset="0"/>
-                <a:cs typeface="Times New Roman" charset="0"/>
-              </a:rPr>
-              <a:t/>
+              <a:t>https://creativecommons.org/licenses/by-sa/4.0</a:t>
             </a:r>
             <a:br>
               <a:rPr lang="en-US" sz="2100" dirty="0">
@@ -11479,14 +11355,6 @@
                 <a:cs typeface="Times New Roman" charset="0"/>
               </a:rPr>
             </a:br>
-            <a:r>
-              <a:rPr lang="en-US" sz="2100" dirty="0">
-                <a:latin typeface="Times New Roman" charset="0"/>
-                <a:ea typeface="Times New Roman" charset="0"/>
-                <a:cs typeface="Times New Roman" charset="0"/>
-              </a:rPr>
-              <a:t/>
-            </a:r>
             <a:br>
               <a:rPr lang="en-US" sz="2100" dirty="0">
                 <a:latin typeface="Times New Roman" charset="0"/>
@@ -11511,14 +11379,6 @@
               </a:rPr>
               <a:t>http://shodor.org/petascale/materials/semester-curriculum</a:t>
             </a:r>
-            <a:r>
-              <a:rPr lang="en-US" sz="2100" dirty="0">
-                <a:latin typeface="Times New Roman" charset="0"/>
-                <a:ea typeface="Times New Roman" charset="0"/>
-                <a:cs typeface="Times New Roman" charset="0"/>
-              </a:rPr>
-              <a:t/>
-            </a:r>
             <a:br>
               <a:rPr lang="en-US" sz="2100" dirty="0">
                 <a:latin typeface="Times New Roman" charset="0"/>
@@ -11526,14 +11386,6 @@
                 <a:cs typeface="Times New Roman" charset="0"/>
               </a:rPr>
             </a:br>
-            <a:r>
-              <a:rPr lang="en-US" sz="2100" dirty="0">
-                <a:latin typeface="Times New Roman" charset="0"/>
-                <a:ea typeface="Times New Roman" charset="0"/>
-                <a:cs typeface="Times New Roman" charset="0"/>
-              </a:rPr>
-              <a:t/>
-            </a:r>
             <a:br>
               <a:rPr lang="en-US" sz="2100" dirty="0">
                 <a:latin typeface="Times New Roman" charset="0"/>
@@ -11558,14 +11410,6 @@
               </a:rPr>
               <a:t>https://github.com/shodor-education/petascale-semester-curriculum</a:t>
             </a:r>
-            <a:r>
-              <a:rPr lang="en-US" sz="2100" dirty="0">
-                <a:latin typeface="Times New Roman" charset="0"/>
-                <a:ea typeface="Times New Roman" charset="0"/>
-                <a:cs typeface="Times New Roman" charset="0"/>
-              </a:rPr>
-              <a:t/>
-            </a:r>
             <a:br>
               <a:rPr lang="en-US" sz="2100" dirty="0">
                 <a:latin typeface="Times New Roman" charset="0"/>
@@ -11573,14 +11417,6 @@
                 <a:cs typeface="Times New Roman" charset="0"/>
               </a:rPr>
             </a:br>
-            <a:r>
-              <a:rPr lang="en-US" sz="2100" dirty="0">
-                <a:latin typeface="Times New Roman" charset="0"/>
-                <a:ea typeface="Times New Roman" charset="0"/>
-                <a:cs typeface="Times New Roman" charset="0"/>
-              </a:rPr>
-              <a:t/>
-            </a:r>
             <a:br>
               <a:rPr lang="en-US" sz="2100" dirty="0">
                 <a:latin typeface="Times New Roman" charset="0"/>
@@ -12168,78 +12004,714 @@
           </a:p>
         </p:txBody>
       </p:sp>
-      <p:pic>
-        <p:nvPicPr>
-          <p:cNvPr id="81" name="Google Shape;81;p17"/>
-          <p:cNvPicPr preferRelativeResize="0"/>
+      <p:sp>
+        <p:nvSpPr>
+          <p:cNvPr id="2" name="Rectangle: Rounded Corners 1">
+            <a:extLst>
+              <a:ext uri="{FF2B5EF4-FFF2-40B4-BE49-F238E27FC236}">
+                <a16:creationId xmlns:a16="http://schemas.microsoft.com/office/drawing/2014/main" id="{C83FB148-FDD6-4781-816F-145BA285801C}"/>
+              </a:ext>
+            </a:extLst>
+          </p:cNvPr>
+          <p:cNvSpPr/>
           <p:nvPr/>
-        </p:nvPicPr>
-        <p:blipFill>
-          <a:blip r:embed="rId3">
-            <a:alphaModFix/>
-          </a:blip>
-          <a:stretch>
-            <a:fillRect/>
-          </a:stretch>
-        </p:blipFill>
+        </p:nvSpPr>
         <p:spPr>
           <a:xfrm>
-            <a:off x="4724400" y="1170125"/>
-            <a:ext cx="3743875" cy="3398750"/>
+            <a:off x="4765550" y="1226288"/>
+            <a:ext cx="3702600" cy="426719"/>
           </a:xfrm>
-          <a:prstGeom prst="rect">
+          <a:prstGeom prst="roundRect">
             <a:avLst/>
           </a:prstGeom>
-          <a:noFill/>
+          <a:solidFill>
+            <a:schemeClr val="accent5">
+              <a:lumMod val="40000"/>
+              <a:lumOff val="60000"/>
+            </a:schemeClr>
+          </a:solidFill>
           <a:ln>
-            <a:noFill/>
+            <a:solidFill>
+              <a:schemeClr val="accent5">
+                <a:lumMod val="60000"/>
+                <a:lumOff val="40000"/>
+              </a:schemeClr>
+            </a:solidFill>
           </a:ln>
         </p:spPr>
-      </p:pic>
-      <p:sp>
-        <p:nvSpPr>
-          <p:cNvPr id="82" name="Google Shape;82;p17"/>
-          <p:cNvSpPr txBox="1"/>
+        <p:style>
+          <a:lnRef idx="2">
+            <a:schemeClr val="accent1">
+              <a:shade val="50000"/>
+            </a:schemeClr>
+          </a:lnRef>
+          <a:fillRef idx="1">
+            <a:schemeClr val="accent1"/>
+          </a:fillRef>
+          <a:effectRef idx="0">
+            <a:schemeClr val="accent1"/>
+          </a:effectRef>
+          <a:fontRef idx="minor">
+            <a:schemeClr val="lt1"/>
+          </a:fontRef>
+        </p:style>
+        <p:txBody>
+          <a:bodyPr rtlCol="0" anchor="ctr"/>
+          <a:lstStyle/>
+          <a:p>
+            <a:pPr algn="ctr"/>
+            <a:r>
+              <a:rPr lang="en-US" dirty="0"/>
+              <a:t>Application</a:t>
+            </a:r>
+          </a:p>
+        </p:txBody>
+      </p:sp>
+      <p:sp>
+        <p:nvSpPr>
+          <p:cNvPr id="3" name="Rectangle: Rounded Corners 2">
+            <a:extLst>
+              <a:ext uri="{FF2B5EF4-FFF2-40B4-BE49-F238E27FC236}">
+                <a16:creationId xmlns:a16="http://schemas.microsoft.com/office/drawing/2014/main" id="{B4DFF75D-B11B-4927-96F2-18E97B7589DB}"/>
+              </a:ext>
+            </a:extLst>
+          </p:cNvPr>
+          <p:cNvSpPr/>
           <p:nvPr/>
         </p:nvSpPr>
         <p:spPr>
           <a:xfrm>
-            <a:off x="4765550" y="4692150"/>
-            <a:ext cx="3702600" cy="377100"/>
+            <a:off x="4919330" y="1885507"/>
+            <a:ext cx="1389321" cy="686243"/>
           </a:xfrm>
-          <a:prstGeom prst="rect">
+          <a:prstGeom prst="roundRect">
             <a:avLst/>
           </a:prstGeom>
-          <a:noFill/>
+          <a:solidFill>
+            <a:schemeClr val="accent4">
+              <a:lumMod val="60000"/>
+              <a:lumOff val="40000"/>
+            </a:schemeClr>
+          </a:solidFill>
           <a:ln>
-            <a:noFill/>
+            <a:solidFill>
+              <a:schemeClr val="accent4">
+                <a:lumMod val="60000"/>
+                <a:lumOff val="40000"/>
+              </a:schemeClr>
+            </a:solidFill>
           </a:ln>
         </p:spPr>
-        <p:txBody>
-          <a:bodyPr spcFirstLastPara="1" wrap="square" lIns="91425" tIns="91425" rIns="91425" bIns="91425" anchor="t" anchorCtr="0">
-            <a:noAutofit/>
-          </a:bodyPr>
+        <p:style>
+          <a:lnRef idx="2">
+            <a:schemeClr val="accent1">
+              <a:shade val="50000"/>
+            </a:schemeClr>
+          </a:lnRef>
+          <a:fillRef idx="1">
+            <a:schemeClr val="accent1"/>
+          </a:fillRef>
+          <a:effectRef idx="0">
+            <a:schemeClr val="accent1"/>
+          </a:effectRef>
+          <a:fontRef idx="minor">
+            <a:schemeClr val="lt1"/>
+          </a:fontRef>
+        </p:style>
+        <p:txBody>
+          <a:bodyPr rtlCol="0" anchor="ctr"/>
           <a:lstStyle/>
           <a:p>
-            <a:pPr marL="0" lvl="0" indent="0" algn="l" rtl="0">
-              <a:spcBef>
-                <a:spcPts val="0"/>
-              </a:spcBef>
-              <a:spcAft>
-                <a:spcPts val="0"/>
-              </a:spcAft>
-              <a:buNone/>
-            </a:pPr>
+            <a:pPr algn="ctr"/>
             <a:r>
-              <a:rPr lang="en" sz="1100" u="sng">
-                <a:solidFill>
-                  <a:schemeClr val="hlink"/>
-                </a:solidFill>
-                <a:hlinkClick r:id="rId4"/>
-              </a:rPr>
-              <a:t>https://on-demand.gputechconf.com/gtc/2010/presentations/S12310-OpenGL-Pre-Conference-Tutorial.pdf</a:t>
+              <a:rPr lang="en-US" dirty="0"/>
+              <a:t>OpenGL Driver</a:t>
             </a:r>
-            <a:endParaRPr/>
+          </a:p>
+        </p:txBody>
+      </p:sp>
+      <p:sp>
+        <p:nvSpPr>
+          <p:cNvPr id="8" name="Rectangle: Rounded Corners 7">
+            <a:extLst>
+              <a:ext uri="{FF2B5EF4-FFF2-40B4-BE49-F238E27FC236}">
+                <a16:creationId xmlns:a16="http://schemas.microsoft.com/office/drawing/2014/main" id="{3AFEA8FB-9450-4F09-BAD8-10E2BE40701F}"/>
+              </a:ext>
+            </a:extLst>
+          </p:cNvPr>
+          <p:cNvSpPr/>
+          <p:nvPr/>
+        </p:nvSpPr>
+        <p:spPr>
+          <a:xfrm>
+            <a:off x="7078829" y="1885507"/>
+            <a:ext cx="1389321" cy="686243"/>
+          </a:xfrm>
+          <a:prstGeom prst="roundRect">
+            <a:avLst/>
+          </a:prstGeom>
+          <a:solidFill>
+            <a:schemeClr val="accent4">
+              <a:lumMod val="60000"/>
+              <a:lumOff val="40000"/>
+            </a:schemeClr>
+          </a:solidFill>
+          <a:ln>
+            <a:solidFill>
+              <a:schemeClr val="accent4">
+                <a:lumMod val="60000"/>
+                <a:lumOff val="40000"/>
+              </a:schemeClr>
+            </a:solidFill>
+          </a:ln>
+        </p:spPr>
+        <p:style>
+          <a:lnRef idx="2">
+            <a:schemeClr val="accent1">
+              <a:shade val="50000"/>
+            </a:schemeClr>
+          </a:lnRef>
+          <a:fillRef idx="1">
+            <a:schemeClr val="accent1"/>
+          </a:fillRef>
+          <a:effectRef idx="0">
+            <a:schemeClr val="accent1"/>
+          </a:effectRef>
+          <a:fontRef idx="minor">
+            <a:schemeClr val="lt1"/>
+          </a:fontRef>
+        </p:style>
+        <p:txBody>
+          <a:bodyPr rtlCol="0" anchor="ctr"/>
+          <a:lstStyle/>
+          <a:p>
+            <a:pPr algn="ctr"/>
+            <a:r>
+              <a:rPr lang="en-US" dirty="0"/>
+              <a:t>CUDA Driver</a:t>
+            </a:r>
+          </a:p>
+        </p:txBody>
+      </p:sp>
+      <p:sp>
+        <p:nvSpPr>
+          <p:cNvPr id="10" name="Rectangle: Rounded Corners 9">
+            <a:extLst>
+              <a:ext uri="{FF2B5EF4-FFF2-40B4-BE49-F238E27FC236}">
+                <a16:creationId xmlns:a16="http://schemas.microsoft.com/office/drawing/2014/main" id="{6460409F-007B-4925-96FF-CC9D230CAAB9}"/>
+              </a:ext>
+            </a:extLst>
+          </p:cNvPr>
+          <p:cNvSpPr/>
+          <p:nvPr/>
+        </p:nvSpPr>
+        <p:spPr>
+          <a:xfrm>
+            <a:off x="4919329" y="2793574"/>
+            <a:ext cx="1389321" cy="878203"/>
+          </a:xfrm>
+          <a:prstGeom prst="roundRect">
+            <a:avLst/>
+          </a:prstGeom>
+          <a:ln/>
+        </p:spPr>
+        <p:style>
+          <a:lnRef idx="1">
+            <a:schemeClr val="accent6"/>
+          </a:lnRef>
+          <a:fillRef idx="3">
+            <a:schemeClr val="accent6"/>
+          </a:fillRef>
+          <a:effectRef idx="2">
+            <a:schemeClr val="accent6"/>
+          </a:effectRef>
+          <a:fontRef idx="minor">
+            <a:schemeClr val="lt1"/>
+          </a:fontRef>
+        </p:style>
+        <p:txBody>
+          <a:bodyPr rtlCol="0" anchor="ctr"/>
+          <a:lstStyle/>
+          <a:p>
+            <a:pPr algn="ctr"/>
+            <a:r>
+              <a:rPr lang="en-US" dirty="0"/>
+              <a:t>Quadro or GeForce</a:t>
+            </a:r>
+          </a:p>
+        </p:txBody>
+      </p:sp>
+      <p:sp>
+        <p:nvSpPr>
+          <p:cNvPr id="12" name="Rectangle: Rounded Corners 11">
+            <a:extLst>
+              <a:ext uri="{FF2B5EF4-FFF2-40B4-BE49-F238E27FC236}">
+                <a16:creationId xmlns:a16="http://schemas.microsoft.com/office/drawing/2014/main" id="{DBC4C405-DB7E-47DB-A3DB-1BFD01A30D18}"/>
+              </a:ext>
+            </a:extLst>
+          </p:cNvPr>
+          <p:cNvSpPr/>
+          <p:nvPr/>
+        </p:nvSpPr>
+        <p:spPr>
+          <a:xfrm>
+            <a:off x="7078829" y="2793573"/>
+            <a:ext cx="1389321" cy="878203"/>
+          </a:xfrm>
+          <a:prstGeom prst="roundRect">
+            <a:avLst/>
+          </a:prstGeom>
+          <a:ln/>
+        </p:spPr>
+        <p:style>
+          <a:lnRef idx="1">
+            <a:schemeClr val="accent6"/>
+          </a:lnRef>
+          <a:fillRef idx="3">
+            <a:schemeClr val="accent6"/>
+          </a:fillRef>
+          <a:effectRef idx="2">
+            <a:schemeClr val="accent6"/>
+          </a:effectRef>
+          <a:fontRef idx="minor">
+            <a:schemeClr val="lt1"/>
+          </a:fontRef>
+        </p:style>
+        <p:txBody>
+          <a:bodyPr rtlCol="0" anchor="ctr"/>
+          <a:lstStyle/>
+          <a:p>
+            <a:pPr algn="ctr"/>
+            <a:r>
+              <a:rPr lang="en-US" dirty="0"/>
+              <a:t>Tesla or GeForce</a:t>
+            </a:r>
+          </a:p>
+        </p:txBody>
+      </p:sp>
+      <p:sp>
+        <p:nvSpPr>
+          <p:cNvPr id="13" name="Rectangle: Rounded Corners 12">
+            <a:extLst>
+              <a:ext uri="{FF2B5EF4-FFF2-40B4-BE49-F238E27FC236}">
+                <a16:creationId xmlns:a16="http://schemas.microsoft.com/office/drawing/2014/main" id="{0B8CC0A8-BC00-4CA5-8E71-A83D6D815FF6}"/>
+              </a:ext>
+            </a:extLst>
+          </p:cNvPr>
+          <p:cNvSpPr/>
+          <p:nvPr/>
+        </p:nvSpPr>
+        <p:spPr>
+          <a:xfrm>
+            <a:off x="5019658" y="3896295"/>
+            <a:ext cx="1140138" cy="590645"/>
+          </a:xfrm>
+          <a:prstGeom prst="roundRect">
+            <a:avLst/>
+          </a:prstGeom>
+          <a:ln/>
+        </p:spPr>
+        <p:style>
+          <a:lnRef idx="2">
+            <a:schemeClr val="accent2"/>
+          </a:lnRef>
+          <a:fillRef idx="1">
+            <a:schemeClr val="lt1"/>
+          </a:fillRef>
+          <a:effectRef idx="0">
+            <a:schemeClr val="accent2"/>
+          </a:effectRef>
+          <a:fontRef idx="minor">
+            <a:schemeClr val="dk1"/>
+          </a:fontRef>
+        </p:style>
+        <p:txBody>
+          <a:bodyPr rtlCol="0" anchor="ctr"/>
+          <a:lstStyle/>
+          <a:p>
+            <a:pPr algn="ctr"/>
+            <a:r>
+              <a:rPr lang="en-US" dirty="0"/>
+              <a:t>Display</a:t>
+            </a:r>
+          </a:p>
+        </p:txBody>
+      </p:sp>
+      <p:sp>
+        <p:nvSpPr>
+          <p:cNvPr id="4" name="Arrow: Down 3">
+            <a:extLst>
+              <a:ext uri="{FF2B5EF4-FFF2-40B4-BE49-F238E27FC236}">
+                <a16:creationId xmlns:a16="http://schemas.microsoft.com/office/drawing/2014/main" id="{4974C596-56E3-4B24-A8DD-8591E0D6F7FD}"/>
+              </a:ext>
+            </a:extLst>
+          </p:cNvPr>
+          <p:cNvSpPr/>
+          <p:nvPr/>
+        </p:nvSpPr>
+        <p:spPr>
+          <a:xfrm>
+            <a:off x="5387161" y="1680652"/>
+            <a:ext cx="340243" cy="194179"/>
+          </a:xfrm>
+          <a:prstGeom prst="downArrow">
+            <a:avLst/>
+          </a:prstGeom>
+          <a:solidFill>
+            <a:schemeClr val="accent2"/>
+          </a:solidFill>
+          <a:ln>
+            <a:solidFill>
+              <a:schemeClr val="accent2"/>
+            </a:solidFill>
+          </a:ln>
+        </p:spPr>
+        <p:style>
+          <a:lnRef idx="2">
+            <a:schemeClr val="accent1">
+              <a:shade val="50000"/>
+            </a:schemeClr>
+          </a:lnRef>
+          <a:fillRef idx="1">
+            <a:schemeClr val="accent1"/>
+          </a:fillRef>
+          <a:effectRef idx="0">
+            <a:schemeClr val="accent1"/>
+          </a:effectRef>
+          <a:fontRef idx="minor">
+            <a:schemeClr val="lt1"/>
+          </a:fontRef>
+        </p:style>
+        <p:txBody>
+          <a:bodyPr rtlCol="0" anchor="ctr"/>
+          <a:lstStyle/>
+          <a:p>
+            <a:pPr algn="ctr"/>
+            <a:endParaRPr lang="en-US"/>
+          </a:p>
+        </p:txBody>
+      </p:sp>
+      <p:sp>
+        <p:nvSpPr>
+          <p:cNvPr id="15" name="Arrow: Down 14">
+            <a:extLst>
+              <a:ext uri="{FF2B5EF4-FFF2-40B4-BE49-F238E27FC236}">
+                <a16:creationId xmlns:a16="http://schemas.microsoft.com/office/drawing/2014/main" id="{37A0E018-0D38-415B-AD26-81E2C689325E}"/>
+              </a:ext>
+            </a:extLst>
+          </p:cNvPr>
+          <p:cNvSpPr/>
+          <p:nvPr/>
+        </p:nvSpPr>
+        <p:spPr>
+          <a:xfrm>
+            <a:off x="7603367" y="1677505"/>
+            <a:ext cx="340243" cy="194179"/>
+          </a:xfrm>
+          <a:prstGeom prst="downArrow">
+            <a:avLst/>
+          </a:prstGeom>
+          <a:solidFill>
+            <a:schemeClr val="accent2"/>
+          </a:solidFill>
+          <a:ln>
+            <a:solidFill>
+              <a:schemeClr val="accent2"/>
+            </a:solidFill>
+          </a:ln>
+        </p:spPr>
+        <p:style>
+          <a:lnRef idx="2">
+            <a:schemeClr val="accent1">
+              <a:shade val="50000"/>
+            </a:schemeClr>
+          </a:lnRef>
+          <a:fillRef idx="1">
+            <a:schemeClr val="accent1"/>
+          </a:fillRef>
+          <a:effectRef idx="0">
+            <a:schemeClr val="accent1"/>
+          </a:effectRef>
+          <a:fontRef idx="minor">
+            <a:schemeClr val="lt1"/>
+          </a:fontRef>
+        </p:style>
+        <p:txBody>
+          <a:bodyPr rtlCol="0" anchor="ctr"/>
+          <a:lstStyle/>
+          <a:p>
+            <a:pPr algn="ctr"/>
+            <a:endParaRPr lang="en-US"/>
+          </a:p>
+        </p:txBody>
+      </p:sp>
+      <p:sp>
+        <p:nvSpPr>
+          <p:cNvPr id="16" name="Arrow: Down 15">
+            <a:extLst>
+              <a:ext uri="{FF2B5EF4-FFF2-40B4-BE49-F238E27FC236}">
+                <a16:creationId xmlns:a16="http://schemas.microsoft.com/office/drawing/2014/main" id="{9E17723A-89F7-4381-AC02-C807FE46298E}"/>
+              </a:ext>
+            </a:extLst>
+          </p:cNvPr>
+          <p:cNvSpPr/>
+          <p:nvPr/>
+        </p:nvSpPr>
+        <p:spPr>
+          <a:xfrm>
+            <a:off x="5387160" y="2597654"/>
+            <a:ext cx="340243" cy="194179"/>
+          </a:xfrm>
+          <a:prstGeom prst="downArrow">
+            <a:avLst/>
+          </a:prstGeom>
+          <a:solidFill>
+            <a:schemeClr val="accent2"/>
+          </a:solidFill>
+          <a:ln>
+            <a:solidFill>
+              <a:schemeClr val="accent2"/>
+            </a:solidFill>
+          </a:ln>
+        </p:spPr>
+        <p:style>
+          <a:lnRef idx="2">
+            <a:schemeClr val="accent1">
+              <a:shade val="50000"/>
+            </a:schemeClr>
+          </a:lnRef>
+          <a:fillRef idx="1">
+            <a:schemeClr val="accent1"/>
+          </a:fillRef>
+          <a:effectRef idx="0">
+            <a:schemeClr val="accent1"/>
+          </a:effectRef>
+          <a:fontRef idx="minor">
+            <a:schemeClr val="lt1"/>
+          </a:fontRef>
+        </p:style>
+        <p:txBody>
+          <a:bodyPr rtlCol="0" anchor="ctr"/>
+          <a:lstStyle/>
+          <a:p>
+            <a:pPr algn="ctr"/>
+            <a:endParaRPr lang="en-US"/>
+          </a:p>
+        </p:txBody>
+      </p:sp>
+      <p:sp>
+        <p:nvSpPr>
+          <p:cNvPr id="17" name="Arrow: Down 16">
+            <a:extLst>
+              <a:ext uri="{FF2B5EF4-FFF2-40B4-BE49-F238E27FC236}">
+                <a16:creationId xmlns:a16="http://schemas.microsoft.com/office/drawing/2014/main" id="{F839DF8A-362F-4318-90B8-42400A4F235B}"/>
+              </a:ext>
+            </a:extLst>
+          </p:cNvPr>
+          <p:cNvSpPr/>
+          <p:nvPr/>
+        </p:nvSpPr>
+        <p:spPr>
+          <a:xfrm>
+            <a:off x="5387160" y="3697671"/>
+            <a:ext cx="340243" cy="194179"/>
+          </a:xfrm>
+          <a:prstGeom prst="downArrow">
+            <a:avLst/>
+          </a:prstGeom>
+          <a:solidFill>
+            <a:schemeClr val="accent2"/>
+          </a:solidFill>
+          <a:ln>
+            <a:solidFill>
+              <a:schemeClr val="accent2"/>
+            </a:solidFill>
+          </a:ln>
+        </p:spPr>
+        <p:style>
+          <a:lnRef idx="2">
+            <a:schemeClr val="accent1">
+              <a:shade val="50000"/>
+            </a:schemeClr>
+          </a:lnRef>
+          <a:fillRef idx="1">
+            <a:schemeClr val="accent1"/>
+          </a:fillRef>
+          <a:effectRef idx="0">
+            <a:schemeClr val="accent1"/>
+          </a:effectRef>
+          <a:fontRef idx="minor">
+            <a:schemeClr val="lt1"/>
+          </a:fontRef>
+        </p:style>
+        <p:txBody>
+          <a:bodyPr rtlCol="0" anchor="ctr"/>
+          <a:lstStyle/>
+          <a:p>
+            <a:pPr algn="ctr"/>
+            <a:endParaRPr lang="en-US"/>
+          </a:p>
+        </p:txBody>
+      </p:sp>
+      <p:sp>
+        <p:nvSpPr>
+          <p:cNvPr id="18" name="Arrow: Down 17">
+            <a:extLst>
+              <a:ext uri="{FF2B5EF4-FFF2-40B4-BE49-F238E27FC236}">
+                <a16:creationId xmlns:a16="http://schemas.microsoft.com/office/drawing/2014/main" id="{2D44B545-D370-40AB-8AC1-C1B7513776B7}"/>
+              </a:ext>
+            </a:extLst>
+          </p:cNvPr>
+          <p:cNvSpPr/>
+          <p:nvPr/>
+        </p:nvSpPr>
+        <p:spPr>
+          <a:xfrm>
+            <a:off x="7603367" y="2592687"/>
+            <a:ext cx="340243" cy="194179"/>
+          </a:xfrm>
+          <a:prstGeom prst="downArrow">
+            <a:avLst/>
+          </a:prstGeom>
+          <a:solidFill>
+            <a:schemeClr val="accent2"/>
+          </a:solidFill>
+          <a:ln>
+            <a:solidFill>
+              <a:schemeClr val="accent2"/>
+            </a:solidFill>
+          </a:ln>
+        </p:spPr>
+        <p:style>
+          <a:lnRef idx="2">
+            <a:schemeClr val="accent1">
+              <a:shade val="50000"/>
+            </a:schemeClr>
+          </a:lnRef>
+          <a:fillRef idx="1">
+            <a:schemeClr val="accent1"/>
+          </a:fillRef>
+          <a:effectRef idx="0">
+            <a:schemeClr val="accent1"/>
+          </a:effectRef>
+          <a:fontRef idx="minor">
+            <a:schemeClr val="lt1"/>
+          </a:fontRef>
+        </p:style>
+        <p:txBody>
+          <a:bodyPr rtlCol="0" anchor="ctr"/>
+          <a:lstStyle/>
+          <a:p>
+            <a:pPr algn="ctr"/>
+            <a:endParaRPr lang="en-US"/>
+          </a:p>
+        </p:txBody>
+      </p:sp>
+      <p:sp>
+        <p:nvSpPr>
+          <p:cNvPr id="5" name="Arrow: Right 4">
+            <a:extLst>
+              <a:ext uri="{FF2B5EF4-FFF2-40B4-BE49-F238E27FC236}">
+                <a16:creationId xmlns:a16="http://schemas.microsoft.com/office/drawing/2014/main" id="{B19D168C-5607-493F-B603-2E12C1732F8D}"/>
+              </a:ext>
+            </a:extLst>
+          </p:cNvPr>
+          <p:cNvSpPr/>
+          <p:nvPr/>
+        </p:nvSpPr>
+        <p:spPr>
+          <a:xfrm>
+            <a:off x="6348601" y="3168502"/>
+            <a:ext cx="730103" cy="212652"/>
+          </a:xfrm>
+          <a:prstGeom prst="rightArrow">
+            <a:avLst/>
+          </a:prstGeom>
+          <a:solidFill>
+            <a:schemeClr val="accent2"/>
+          </a:solidFill>
+          <a:ln>
+            <a:solidFill>
+              <a:schemeClr val="accent2"/>
+            </a:solidFill>
+          </a:ln>
+        </p:spPr>
+        <p:style>
+          <a:lnRef idx="2">
+            <a:schemeClr val="dk1">
+              <a:shade val="50000"/>
+            </a:schemeClr>
+          </a:lnRef>
+          <a:fillRef idx="1">
+            <a:schemeClr val="dk1"/>
+          </a:fillRef>
+          <a:effectRef idx="0">
+            <a:schemeClr val="dk1"/>
+          </a:effectRef>
+          <a:fontRef idx="minor">
+            <a:schemeClr val="lt1"/>
+          </a:fontRef>
+        </p:style>
+        <p:txBody>
+          <a:bodyPr rtlCol="0" anchor="ctr"/>
+          <a:lstStyle/>
+          <a:p>
+            <a:pPr algn="ctr"/>
+            <a:endParaRPr lang="en-US"/>
+          </a:p>
+        </p:txBody>
+      </p:sp>
+      <p:sp>
+        <p:nvSpPr>
+          <p:cNvPr id="21" name="Arrow: Right 20">
+            <a:extLst>
+              <a:ext uri="{FF2B5EF4-FFF2-40B4-BE49-F238E27FC236}">
+                <a16:creationId xmlns:a16="http://schemas.microsoft.com/office/drawing/2014/main" id="{351B4077-34AD-4E53-AC6F-5EBC00670024}"/>
+              </a:ext>
+            </a:extLst>
+          </p:cNvPr>
+          <p:cNvSpPr/>
+          <p:nvPr/>
+        </p:nvSpPr>
+        <p:spPr>
+          <a:xfrm rot="10800000">
+            <a:off x="6290927" y="3168502"/>
+            <a:ext cx="730103" cy="212652"/>
+          </a:xfrm>
+          <a:prstGeom prst="rightArrow">
+            <a:avLst/>
+          </a:prstGeom>
+          <a:solidFill>
+            <a:schemeClr val="accent2"/>
+          </a:solidFill>
+          <a:ln>
+            <a:solidFill>
+              <a:schemeClr val="accent2"/>
+            </a:solidFill>
+          </a:ln>
+        </p:spPr>
+        <p:style>
+          <a:lnRef idx="2">
+            <a:schemeClr val="dk1">
+              <a:shade val="50000"/>
+            </a:schemeClr>
+          </a:lnRef>
+          <a:fillRef idx="1">
+            <a:schemeClr val="dk1"/>
+          </a:fillRef>
+          <a:effectRef idx="0">
+            <a:schemeClr val="dk1"/>
+          </a:effectRef>
+          <a:fontRef idx="minor">
+            <a:schemeClr val="lt1"/>
+          </a:fontRef>
+        </p:style>
+        <p:txBody>
+          <a:bodyPr rtlCol="0" anchor="ctr"/>
+          <a:lstStyle/>
+          <a:p>
+            <a:pPr algn="ctr"/>
+            <a:endParaRPr lang="en-US"/>
           </a:p>
         </p:txBody>
       </p:sp>
@@ -12387,78 +12859,714 @@
           </a:p>
         </p:txBody>
       </p:sp>
-      <p:pic>
-        <p:nvPicPr>
-          <p:cNvPr id="89" name="Google Shape;89;p18"/>
-          <p:cNvPicPr preferRelativeResize="0"/>
+      <p:sp>
+        <p:nvSpPr>
+          <p:cNvPr id="6" name="Rectangle: Rounded Corners 5">
+            <a:extLst>
+              <a:ext uri="{FF2B5EF4-FFF2-40B4-BE49-F238E27FC236}">
+                <a16:creationId xmlns:a16="http://schemas.microsoft.com/office/drawing/2014/main" id="{BA54846B-4AC3-4CFB-91AE-263042F00041}"/>
+              </a:ext>
+            </a:extLst>
+          </p:cNvPr>
+          <p:cNvSpPr/>
           <p:nvPr/>
-        </p:nvPicPr>
-        <p:blipFill>
-          <a:blip r:embed="rId3">
-            <a:alphaModFix/>
-          </a:blip>
-          <a:stretch>
-            <a:fillRect/>
-          </a:stretch>
-        </p:blipFill>
+        </p:nvSpPr>
         <p:spPr>
           <a:xfrm>
-            <a:off x="4724400" y="1170125"/>
-            <a:ext cx="3743875" cy="3398750"/>
+            <a:off x="4765550" y="1226288"/>
+            <a:ext cx="3702600" cy="426719"/>
           </a:xfrm>
-          <a:prstGeom prst="rect">
+          <a:prstGeom prst="roundRect">
             <a:avLst/>
           </a:prstGeom>
-          <a:noFill/>
+          <a:solidFill>
+            <a:schemeClr val="accent5">
+              <a:lumMod val="40000"/>
+              <a:lumOff val="60000"/>
+            </a:schemeClr>
+          </a:solidFill>
           <a:ln>
-            <a:noFill/>
+            <a:solidFill>
+              <a:schemeClr val="accent5">
+                <a:lumMod val="60000"/>
+                <a:lumOff val="40000"/>
+              </a:schemeClr>
+            </a:solidFill>
           </a:ln>
         </p:spPr>
-      </p:pic>
-      <p:sp>
-        <p:nvSpPr>
-          <p:cNvPr id="90" name="Google Shape;90;p18"/>
-          <p:cNvSpPr txBox="1"/>
+        <p:style>
+          <a:lnRef idx="2">
+            <a:schemeClr val="accent1">
+              <a:shade val="50000"/>
+            </a:schemeClr>
+          </a:lnRef>
+          <a:fillRef idx="1">
+            <a:schemeClr val="accent1"/>
+          </a:fillRef>
+          <a:effectRef idx="0">
+            <a:schemeClr val="accent1"/>
+          </a:effectRef>
+          <a:fontRef idx="minor">
+            <a:schemeClr val="lt1"/>
+          </a:fontRef>
+        </p:style>
+        <p:txBody>
+          <a:bodyPr rtlCol="0" anchor="ctr"/>
+          <a:lstStyle/>
+          <a:p>
+            <a:pPr algn="ctr"/>
+            <a:r>
+              <a:rPr lang="en-US" dirty="0"/>
+              <a:t>Application</a:t>
+            </a:r>
+          </a:p>
+        </p:txBody>
+      </p:sp>
+      <p:sp>
+        <p:nvSpPr>
+          <p:cNvPr id="7" name="Rectangle: Rounded Corners 6">
+            <a:extLst>
+              <a:ext uri="{FF2B5EF4-FFF2-40B4-BE49-F238E27FC236}">
+                <a16:creationId xmlns:a16="http://schemas.microsoft.com/office/drawing/2014/main" id="{D8206855-63C8-4306-AF3C-1F5BA0DB9B4C}"/>
+              </a:ext>
+            </a:extLst>
+          </p:cNvPr>
+          <p:cNvSpPr/>
           <p:nvPr/>
         </p:nvSpPr>
         <p:spPr>
           <a:xfrm>
-            <a:off x="4765550" y="4692150"/>
-            <a:ext cx="3702600" cy="377100"/>
+            <a:off x="4919330" y="1885507"/>
+            <a:ext cx="1389321" cy="686243"/>
           </a:xfrm>
-          <a:prstGeom prst="rect">
+          <a:prstGeom prst="roundRect">
             <a:avLst/>
           </a:prstGeom>
-          <a:noFill/>
+          <a:solidFill>
+            <a:schemeClr val="accent4">
+              <a:lumMod val="60000"/>
+              <a:lumOff val="40000"/>
+            </a:schemeClr>
+          </a:solidFill>
           <a:ln>
-            <a:noFill/>
+            <a:solidFill>
+              <a:schemeClr val="accent4">
+                <a:lumMod val="60000"/>
+                <a:lumOff val="40000"/>
+              </a:schemeClr>
+            </a:solidFill>
           </a:ln>
         </p:spPr>
-        <p:txBody>
-          <a:bodyPr spcFirstLastPara="1" wrap="square" lIns="91425" tIns="91425" rIns="91425" bIns="91425" anchor="t" anchorCtr="0">
-            <a:noAutofit/>
-          </a:bodyPr>
+        <p:style>
+          <a:lnRef idx="2">
+            <a:schemeClr val="accent1">
+              <a:shade val="50000"/>
+            </a:schemeClr>
+          </a:lnRef>
+          <a:fillRef idx="1">
+            <a:schemeClr val="accent1"/>
+          </a:fillRef>
+          <a:effectRef idx="0">
+            <a:schemeClr val="accent1"/>
+          </a:effectRef>
+          <a:fontRef idx="minor">
+            <a:schemeClr val="lt1"/>
+          </a:fontRef>
+        </p:style>
+        <p:txBody>
+          <a:bodyPr rtlCol="0" anchor="ctr"/>
           <a:lstStyle/>
           <a:p>
-            <a:pPr marL="0" lvl="0" indent="0" algn="l" rtl="0">
-              <a:spcBef>
-                <a:spcPts val="0"/>
-              </a:spcBef>
-              <a:spcAft>
-                <a:spcPts val="0"/>
-              </a:spcAft>
-              <a:buNone/>
-            </a:pPr>
+            <a:pPr algn="ctr"/>
             <a:r>
-              <a:rPr lang="en" sz="1100" u="sng">
-                <a:solidFill>
-                  <a:schemeClr val="hlink"/>
-                </a:solidFill>
-                <a:hlinkClick r:id="rId4"/>
-              </a:rPr>
-              <a:t>https://on-demand.gputechconf.com/gtc/2010/presentations/S12310-OpenGL-Pre-Conference-Tutorial.pdf</a:t>
+              <a:rPr lang="en-US" dirty="0"/>
+              <a:t>OpenGL Driver</a:t>
             </a:r>
-            <a:endParaRPr/>
+          </a:p>
+        </p:txBody>
+      </p:sp>
+      <p:sp>
+        <p:nvSpPr>
+          <p:cNvPr id="8" name="Rectangle: Rounded Corners 7">
+            <a:extLst>
+              <a:ext uri="{FF2B5EF4-FFF2-40B4-BE49-F238E27FC236}">
+                <a16:creationId xmlns:a16="http://schemas.microsoft.com/office/drawing/2014/main" id="{0C7340F2-3F15-4AE8-A444-CD4373F2E157}"/>
+              </a:ext>
+            </a:extLst>
+          </p:cNvPr>
+          <p:cNvSpPr/>
+          <p:nvPr/>
+        </p:nvSpPr>
+        <p:spPr>
+          <a:xfrm>
+            <a:off x="7078829" y="1885507"/>
+            <a:ext cx="1389321" cy="686243"/>
+          </a:xfrm>
+          <a:prstGeom prst="roundRect">
+            <a:avLst/>
+          </a:prstGeom>
+          <a:solidFill>
+            <a:schemeClr val="accent4">
+              <a:lumMod val="60000"/>
+              <a:lumOff val="40000"/>
+            </a:schemeClr>
+          </a:solidFill>
+          <a:ln>
+            <a:solidFill>
+              <a:schemeClr val="accent4">
+                <a:lumMod val="60000"/>
+                <a:lumOff val="40000"/>
+              </a:schemeClr>
+            </a:solidFill>
+          </a:ln>
+        </p:spPr>
+        <p:style>
+          <a:lnRef idx="2">
+            <a:schemeClr val="accent1">
+              <a:shade val="50000"/>
+            </a:schemeClr>
+          </a:lnRef>
+          <a:fillRef idx="1">
+            <a:schemeClr val="accent1"/>
+          </a:fillRef>
+          <a:effectRef idx="0">
+            <a:schemeClr val="accent1"/>
+          </a:effectRef>
+          <a:fontRef idx="minor">
+            <a:schemeClr val="lt1"/>
+          </a:fontRef>
+        </p:style>
+        <p:txBody>
+          <a:bodyPr rtlCol="0" anchor="ctr"/>
+          <a:lstStyle/>
+          <a:p>
+            <a:pPr algn="ctr"/>
+            <a:r>
+              <a:rPr lang="en-US" dirty="0"/>
+              <a:t>CUDA Driver</a:t>
+            </a:r>
+          </a:p>
+        </p:txBody>
+      </p:sp>
+      <p:sp>
+        <p:nvSpPr>
+          <p:cNvPr id="9" name="Rectangle: Rounded Corners 8">
+            <a:extLst>
+              <a:ext uri="{FF2B5EF4-FFF2-40B4-BE49-F238E27FC236}">
+                <a16:creationId xmlns:a16="http://schemas.microsoft.com/office/drawing/2014/main" id="{F58CC05B-CAF9-4931-84FF-9B0017018EC3}"/>
+              </a:ext>
+            </a:extLst>
+          </p:cNvPr>
+          <p:cNvSpPr/>
+          <p:nvPr/>
+        </p:nvSpPr>
+        <p:spPr>
+          <a:xfrm>
+            <a:off x="4919329" y="2793574"/>
+            <a:ext cx="1389321" cy="878203"/>
+          </a:xfrm>
+          <a:prstGeom prst="roundRect">
+            <a:avLst/>
+          </a:prstGeom>
+          <a:ln/>
+        </p:spPr>
+        <p:style>
+          <a:lnRef idx="1">
+            <a:schemeClr val="accent6"/>
+          </a:lnRef>
+          <a:fillRef idx="3">
+            <a:schemeClr val="accent6"/>
+          </a:fillRef>
+          <a:effectRef idx="2">
+            <a:schemeClr val="accent6"/>
+          </a:effectRef>
+          <a:fontRef idx="minor">
+            <a:schemeClr val="lt1"/>
+          </a:fontRef>
+        </p:style>
+        <p:txBody>
+          <a:bodyPr rtlCol="0" anchor="ctr"/>
+          <a:lstStyle/>
+          <a:p>
+            <a:pPr algn="ctr"/>
+            <a:r>
+              <a:rPr lang="en-US" dirty="0"/>
+              <a:t>Quadro or GeForce</a:t>
+            </a:r>
+          </a:p>
+        </p:txBody>
+      </p:sp>
+      <p:sp>
+        <p:nvSpPr>
+          <p:cNvPr id="10" name="Rectangle: Rounded Corners 9">
+            <a:extLst>
+              <a:ext uri="{FF2B5EF4-FFF2-40B4-BE49-F238E27FC236}">
+                <a16:creationId xmlns:a16="http://schemas.microsoft.com/office/drawing/2014/main" id="{ABDC6FA2-BDD3-4F45-A00E-BE61ADF0E4A9}"/>
+              </a:ext>
+            </a:extLst>
+          </p:cNvPr>
+          <p:cNvSpPr/>
+          <p:nvPr/>
+        </p:nvSpPr>
+        <p:spPr>
+          <a:xfrm>
+            <a:off x="7078829" y="2793573"/>
+            <a:ext cx="1389321" cy="878203"/>
+          </a:xfrm>
+          <a:prstGeom prst="roundRect">
+            <a:avLst/>
+          </a:prstGeom>
+          <a:ln/>
+        </p:spPr>
+        <p:style>
+          <a:lnRef idx="1">
+            <a:schemeClr val="accent6"/>
+          </a:lnRef>
+          <a:fillRef idx="3">
+            <a:schemeClr val="accent6"/>
+          </a:fillRef>
+          <a:effectRef idx="2">
+            <a:schemeClr val="accent6"/>
+          </a:effectRef>
+          <a:fontRef idx="minor">
+            <a:schemeClr val="lt1"/>
+          </a:fontRef>
+        </p:style>
+        <p:txBody>
+          <a:bodyPr rtlCol="0" anchor="ctr"/>
+          <a:lstStyle/>
+          <a:p>
+            <a:pPr algn="ctr"/>
+            <a:r>
+              <a:rPr lang="en-US" dirty="0"/>
+              <a:t>Tesla or GeForce</a:t>
+            </a:r>
+          </a:p>
+        </p:txBody>
+      </p:sp>
+      <p:sp>
+        <p:nvSpPr>
+          <p:cNvPr id="11" name="Rectangle: Rounded Corners 10">
+            <a:extLst>
+              <a:ext uri="{FF2B5EF4-FFF2-40B4-BE49-F238E27FC236}">
+                <a16:creationId xmlns:a16="http://schemas.microsoft.com/office/drawing/2014/main" id="{1E8C7CD0-618A-49A4-A3FB-FC14A8E3B9AE}"/>
+              </a:ext>
+            </a:extLst>
+          </p:cNvPr>
+          <p:cNvSpPr/>
+          <p:nvPr/>
+        </p:nvSpPr>
+        <p:spPr>
+          <a:xfrm>
+            <a:off x="5019658" y="3896295"/>
+            <a:ext cx="1140138" cy="590645"/>
+          </a:xfrm>
+          <a:prstGeom prst="roundRect">
+            <a:avLst/>
+          </a:prstGeom>
+          <a:ln/>
+        </p:spPr>
+        <p:style>
+          <a:lnRef idx="2">
+            <a:schemeClr val="accent2"/>
+          </a:lnRef>
+          <a:fillRef idx="1">
+            <a:schemeClr val="lt1"/>
+          </a:fillRef>
+          <a:effectRef idx="0">
+            <a:schemeClr val="accent2"/>
+          </a:effectRef>
+          <a:fontRef idx="minor">
+            <a:schemeClr val="dk1"/>
+          </a:fontRef>
+        </p:style>
+        <p:txBody>
+          <a:bodyPr rtlCol="0" anchor="ctr"/>
+          <a:lstStyle/>
+          <a:p>
+            <a:pPr algn="ctr"/>
+            <a:r>
+              <a:rPr lang="en-US" dirty="0"/>
+              <a:t>Display</a:t>
+            </a:r>
+          </a:p>
+        </p:txBody>
+      </p:sp>
+      <p:sp>
+        <p:nvSpPr>
+          <p:cNvPr id="12" name="Arrow: Down 11">
+            <a:extLst>
+              <a:ext uri="{FF2B5EF4-FFF2-40B4-BE49-F238E27FC236}">
+                <a16:creationId xmlns:a16="http://schemas.microsoft.com/office/drawing/2014/main" id="{F282F816-6CC9-42E1-AC95-3D3F84334525}"/>
+              </a:ext>
+            </a:extLst>
+          </p:cNvPr>
+          <p:cNvSpPr/>
+          <p:nvPr/>
+        </p:nvSpPr>
+        <p:spPr>
+          <a:xfrm>
+            <a:off x="5387161" y="1680652"/>
+            <a:ext cx="340243" cy="194179"/>
+          </a:xfrm>
+          <a:prstGeom prst="downArrow">
+            <a:avLst/>
+          </a:prstGeom>
+          <a:solidFill>
+            <a:schemeClr val="accent2"/>
+          </a:solidFill>
+          <a:ln>
+            <a:solidFill>
+              <a:schemeClr val="accent2"/>
+            </a:solidFill>
+          </a:ln>
+        </p:spPr>
+        <p:style>
+          <a:lnRef idx="2">
+            <a:schemeClr val="accent1">
+              <a:shade val="50000"/>
+            </a:schemeClr>
+          </a:lnRef>
+          <a:fillRef idx="1">
+            <a:schemeClr val="accent1"/>
+          </a:fillRef>
+          <a:effectRef idx="0">
+            <a:schemeClr val="accent1"/>
+          </a:effectRef>
+          <a:fontRef idx="minor">
+            <a:schemeClr val="lt1"/>
+          </a:fontRef>
+        </p:style>
+        <p:txBody>
+          <a:bodyPr rtlCol="0" anchor="ctr"/>
+          <a:lstStyle/>
+          <a:p>
+            <a:pPr algn="ctr"/>
+            <a:endParaRPr lang="en-US"/>
+          </a:p>
+        </p:txBody>
+      </p:sp>
+      <p:sp>
+        <p:nvSpPr>
+          <p:cNvPr id="13" name="Arrow: Down 12">
+            <a:extLst>
+              <a:ext uri="{FF2B5EF4-FFF2-40B4-BE49-F238E27FC236}">
+                <a16:creationId xmlns:a16="http://schemas.microsoft.com/office/drawing/2014/main" id="{B50BC07C-DEF2-4FCC-8B44-7CEE18038C2A}"/>
+              </a:ext>
+            </a:extLst>
+          </p:cNvPr>
+          <p:cNvSpPr/>
+          <p:nvPr/>
+        </p:nvSpPr>
+        <p:spPr>
+          <a:xfrm>
+            <a:off x="7603367" y="1677505"/>
+            <a:ext cx="340243" cy="194179"/>
+          </a:xfrm>
+          <a:prstGeom prst="downArrow">
+            <a:avLst/>
+          </a:prstGeom>
+          <a:solidFill>
+            <a:schemeClr val="accent2"/>
+          </a:solidFill>
+          <a:ln>
+            <a:solidFill>
+              <a:schemeClr val="accent2"/>
+            </a:solidFill>
+          </a:ln>
+        </p:spPr>
+        <p:style>
+          <a:lnRef idx="2">
+            <a:schemeClr val="accent1">
+              <a:shade val="50000"/>
+            </a:schemeClr>
+          </a:lnRef>
+          <a:fillRef idx="1">
+            <a:schemeClr val="accent1"/>
+          </a:fillRef>
+          <a:effectRef idx="0">
+            <a:schemeClr val="accent1"/>
+          </a:effectRef>
+          <a:fontRef idx="minor">
+            <a:schemeClr val="lt1"/>
+          </a:fontRef>
+        </p:style>
+        <p:txBody>
+          <a:bodyPr rtlCol="0" anchor="ctr"/>
+          <a:lstStyle/>
+          <a:p>
+            <a:pPr algn="ctr"/>
+            <a:endParaRPr lang="en-US"/>
+          </a:p>
+        </p:txBody>
+      </p:sp>
+      <p:sp>
+        <p:nvSpPr>
+          <p:cNvPr id="14" name="Arrow: Down 13">
+            <a:extLst>
+              <a:ext uri="{FF2B5EF4-FFF2-40B4-BE49-F238E27FC236}">
+                <a16:creationId xmlns:a16="http://schemas.microsoft.com/office/drawing/2014/main" id="{8675814F-B49E-4BE0-B80A-159115B1A6BD}"/>
+              </a:ext>
+            </a:extLst>
+          </p:cNvPr>
+          <p:cNvSpPr/>
+          <p:nvPr/>
+        </p:nvSpPr>
+        <p:spPr>
+          <a:xfrm>
+            <a:off x="5387160" y="2597654"/>
+            <a:ext cx="340243" cy="194179"/>
+          </a:xfrm>
+          <a:prstGeom prst="downArrow">
+            <a:avLst/>
+          </a:prstGeom>
+          <a:solidFill>
+            <a:schemeClr val="accent2"/>
+          </a:solidFill>
+          <a:ln>
+            <a:solidFill>
+              <a:schemeClr val="accent2"/>
+            </a:solidFill>
+          </a:ln>
+        </p:spPr>
+        <p:style>
+          <a:lnRef idx="2">
+            <a:schemeClr val="accent1">
+              <a:shade val="50000"/>
+            </a:schemeClr>
+          </a:lnRef>
+          <a:fillRef idx="1">
+            <a:schemeClr val="accent1"/>
+          </a:fillRef>
+          <a:effectRef idx="0">
+            <a:schemeClr val="accent1"/>
+          </a:effectRef>
+          <a:fontRef idx="minor">
+            <a:schemeClr val="lt1"/>
+          </a:fontRef>
+        </p:style>
+        <p:txBody>
+          <a:bodyPr rtlCol="0" anchor="ctr"/>
+          <a:lstStyle/>
+          <a:p>
+            <a:pPr algn="ctr"/>
+            <a:endParaRPr lang="en-US"/>
+          </a:p>
+        </p:txBody>
+      </p:sp>
+      <p:sp>
+        <p:nvSpPr>
+          <p:cNvPr id="15" name="Arrow: Down 14">
+            <a:extLst>
+              <a:ext uri="{FF2B5EF4-FFF2-40B4-BE49-F238E27FC236}">
+                <a16:creationId xmlns:a16="http://schemas.microsoft.com/office/drawing/2014/main" id="{EAB65D8F-000F-44BA-BBEE-E168A1B24FAC}"/>
+              </a:ext>
+            </a:extLst>
+          </p:cNvPr>
+          <p:cNvSpPr/>
+          <p:nvPr/>
+        </p:nvSpPr>
+        <p:spPr>
+          <a:xfrm>
+            <a:off x="5387160" y="3697671"/>
+            <a:ext cx="340243" cy="194179"/>
+          </a:xfrm>
+          <a:prstGeom prst="downArrow">
+            <a:avLst/>
+          </a:prstGeom>
+          <a:solidFill>
+            <a:schemeClr val="accent2"/>
+          </a:solidFill>
+          <a:ln>
+            <a:solidFill>
+              <a:schemeClr val="accent2"/>
+            </a:solidFill>
+          </a:ln>
+        </p:spPr>
+        <p:style>
+          <a:lnRef idx="2">
+            <a:schemeClr val="accent1">
+              <a:shade val="50000"/>
+            </a:schemeClr>
+          </a:lnRef>
+          <a:fillRef idx="1">
+            <a:schemeClr val="accent1"/>
+          </a:fillRef>
+          <a:effectRef idx="0">
+            <a:schemeClr val="accent1"/>
+          </a:effectRef>
+          <a:fontRef idx="minor">
+            <a:schemeClr val="lt1"/>
+          </a:fontRef>
+        </p:style>
+        <p:txBody>
+          <a:bodyPr rtlCol="0" anchor="ctr"/>
+          <a:lstStyle/>
+          <a:p>
+            <a:pPr algn="ctr"/>
+            <a:endParaRPr lang="en-US"/>
+          </a:p>
+        </p:txBody>
+      </p:sp>
+      <p:sp>
+        <p:nvSpPr>
+          <p:cNvPr id="16" name="Arrow: Down 15">
+            <a:extLst>
+              <a:ext uri="{FF2B5EF4-FFF2-40B4-BE49-F238E27FC236}">
+                <a16:creationId xmlns:a16="http://schemas.microsoft.com/office/drawing/2014/main" id="{E1A104B0-2A55-4E53-891B-D95775B41E9C}"/>
+              </a:ext>
+            </a:extLst>
+          </p:cNvPr>
+          <p:cNvSpPr/>
+          <p:nvPr/>
+        </p:nvSpPr>
+        <p:spPr>
+          <a:xfrm>
+            <a:off x="7603367" y="2592687"/>
+            <a:ext cx="340243" cy="194179"/>
+          </a:xfrm>
+          <a:prstGeom prst="downArrow">
+            <a:avLst/>
+          </a:prstGeom>
+          <a:solidFill>
+            <a:schemeClr val="accent2"/>
+          </a:solidFill>
+          <a:ln>
+            <a:solidFill>
+              <a:schemeClr val="accent2"/>
+            </a:solidFill>
+          </a:ln>
+        </p:spPr>
+        <p:style>
+          <a:lnRef idx="2">
+            <a:schemeClr val="accent1">
+              <a:shade val="50000"/>
+            </a:schemeClr>
+          </a:lnRef>
+          <a:fillRef idx="1">
+            <a:schemeClr val="accent1"/>
+          </a:fillRef>
+          <a:effectRef idx="0">
+            <a:schemeClr val="accent1"/>
+          </a:effectRef>
+          <a:fontRef idx="minor">
+            <a:schemeClr val="lt1"/>
+          </a:fontRef>
+        </p:style>
+        <p:txBody>
+          <a:bodyPr rtlCol="0" anchor="ctr"/>
+          <a:lstStyle/>
+          <a:p>
+            <a:pPr algn="ctr"/>
+            <a:endParaRPr lang="en-US"/>
+          </a:p>
+        </p:txBody>
+      </p:sp>
+      <p:sp>
+        <p:nvSpPr>
+          <p:cNvPr id="17" name="Arrow: Right 16">
+            <a:extLst>
+              <a:ext uri="{FF2B5EF4-FFF2-40B4-BE49-F238E27FC236}">
+                <a16:creationId xmlns:a16="http://schemas.microsoft.com/office/drawing/2014/main" id="{4902CCFC-1E6D-4786-A6EB-B55D37E15F80}"/>
+              </a:ext>
+            </a:extLst>
+          </p:cNvPr>
+          <p:cNvSpPr/>
+          <p:nvPr/>
+        </p:nvSpPr>
+        <p:spPr>
+          <a:xfrm>
+            <a:off x="6348601" y="3168502"/>
+            <a:ext cx="730103" cy="212652"/>
+          </a:xfrm>
+          <a:prstGeom prst="rightArrow">
+            <a:avLst/>
+          </a:prstGeom>
+          <a:solidFill>
+            <a:schemeClr val="accent2"/>
+          </a:solidFill>
+          <a:ln>
+            <a:solidFill>
+              <a:schemeClr val="accent2"/>
+            </a:solidFill>
+          </a:ln>
+        </p:spPr>
+        <p:style>
+          <a:lnRef idx="2">
+            <a:schemeClr val="dk1">
+              <a:shade val="50000"/>
+            </a:schemeClr>
+          </a:lnRef>
+          <a:fillRef idx="1">
+            <a:schemeClr val="dk1"/>
+          </a:fillRef>
+          <a:effectRef idx="0">
+            <a:schemeClr val="dk1"/>
+          </a:effectRef>
+          <a:fontRef idx="minor">
+            <a:schemeClr val="lt1"/>
+          </a:fontRef>
+        </p:style>
+        <p:txBody>
+          <a:bodyPr rtlCol="0" anchor="ctr"/>
+          <a:lstStyle/>
+          <a:p>
+            <a:pPr algn="ctr"/>
+            <a:endParaRPr lang="en-US"/>
+          </a:p>
+        </p:txBody>
+      </p:sp>
+      <p:sp>
+        <p:nvSpPr>
+          <p:cNvPr id="18" name="Arrow: Right 17">
+            <a:extLst>
+              <a:ext uri="{FF2B5EF4-FFF2-40B4-BE49-F238E27FC236}">
+                <a16:creationId xmlns:a16="http://schemas.microsoft.com/office/drawing/2014/main" id="{409C084D-6840-4CF1-B712-F1274C16A6BB}"/>
+              </a:ext>
+            </a:extLst>
+          </p:cNvPr>
+          <p:cNvSpPr/>
+          <p:nvPr/>
+        </p:nvSpPr>
+        <p:spPr>
+          <a:xfrm rot="10800000">
+            <a:off x="6290927" y="3168502"/>
+            <a:ext cx="730103" cy="212652"/>
+          </a:xfrm>
+          <a:prstGeom prst="rightArrow">
+            <a:avLst/>
+          </a:prstGeom>
+          <a:solidFill>
+            <a:schemeClr val="accent2"/>
+          </a:solidFill>
+          <a:ln>
+            <a:solidFill>
+              <a:schemeClr val="accent2"/>
+            </a:solidFill>
+          </a:ln>
+        </p:spPr>
+        <p:style>
+          <a:lnRef idx="2">
+            <a:schemeClr val="dk1">
+              <a:shade val="50000"/>
+            </a:schemeClr>
+          </a:lnRef>
+          <a:fillRef idx="1">
+            <a:schemeClr val="dk1"/>
+          </a:fillRef>
+          <a:effectRef idx="0">
+            <a:schemeClr val="dk1"/>
+          </a:effectRef>
+          <a:fontRef idx="minor">
+            <a:schemeClr val="lt1"/>
+          </a:fontRef>
+        </p:style>
+        <p:txBody>
+          <a:bodyPr rtlCol="0" anchor="ctr"/>
+          <a:lstStyle/>
+          <a:p>
+            <a:pPr algn="ctr"/>
+            <a:endParaRPr lang="en-US"/>
           </a:p>
         </p:txBody>
       </p:sp>
